--- a/Chapitre_02_CorrecteursNumeriques/01_Cy_03_02_Cours/images/Figures.pptx
+++ b/Chapitre_02_CorrecteursNumeriques/01_Cy_03_02_Cours/images/Figures.pptx
@@ -7,6 +7,7 @@
   <p:sldIdLst>
     <p:sldId id="256" r:id="rId2"/>
     <p:sldId id="257" r:id="rId3"/>
+    <p:sldId id="258" r:id="rId4"/>
   </p:sldIdLst>
   <p:sldSz cx="12192000" cy="6858000"/>
   <p:notesSz cx="6858000" cy="9144000"/>
@@ -271,7 +272,7 @@
           <a:p>
             <a:fld id="{315B572F-DE67-47F1-9C6F-A086BA2F48DF}" type="datetimeFigureOut">
               <a:rPr lang="fr-FR" smtClean="0"/>
-              <a:t>20/02/2022</a:t>
+              <a:t>22/02/2022</a:t>
             </a:fld>
             <a:endParaRPr lang="fr-FR"/>
           </a:p>
@@ -469,7 +470,7 @@
           <a:p>
             <a:fld id="{315B572F-DE67-47F1-9C6F-A086BA2F48DF}" type="datetimeFigureOut">
               <a:rPr lang="fr-FR" smtClean="0"/>
-              <a:t>20/02/2022</a:t>
+              <a:t>22/02/2022</a:t>
             </a:fld>
             <a:endParaRPr lang="fr-FR"/>
           </a:p>
@@ -677,7 +678,7 @@
           <a:p>
             <a:fld id="{315B572F-DE67-47F1-9C6F-A086BA2F48DF}" type="datetimeFigureOut">
               <a:rPr lang="fr-FR" smtClean="0"/>
-              <a:t>20/02/2022</a:t>
+              <a:t>22/02/2022</a:t>
             </a:fld>
             <a:endParaRPr lang="fr-FR"/>
           </a:p>
@@ -875,7 +876,7 @@
           <a:p>
             <a:fld id="{315B572F-DE67-47F1-9C6F-A086BA2F48DF}" type="datetimeFigureOut">
               <a:rPr lang="fr-FR" smtClean="0"/>
-              <a:t>20/02/2022</a:t>
+              <a:t>22/02/2022</a:t>
             </a:fld>
             <a:endParaRPr lang="fr-FR"/>
           </a:p>
@@ -1150,7 +1151,7 @@
           <a:p>
             <a:fld id="{315B572F-DE67-47F1-9C6F-A086BA2F48DF}" type="datetimeFigureOut">
               <a:rPr lang="fr-FR" smtClean="0"/>
-              <a:t>20/02/2022</a:t>
+              <a:t>22/02/2022</a:t>
             </a:fld>
             <a:endParaRPr lang="fr-FR"/>
           </a:p>
@@ -1415,7 +1416,7 @@
           <a:p>
             <a:fld id="{315B572F-DE67-47F1-9C6F-A086BA2F48DF}" type="datetimeFigureOut">
               <a:rPr lang="fr-FR" smtClean="0"/>
-              <a:t>20/02/2022</a:t>
+              <a:t>22/02/2022</a:t>
             </a:fld>
             <a:endParaRPr lang="fr-FR"/>
           </a:p>
@@ -1827,7 +1828,7 @@
           <a:p>
             <a:fld id="{315B572F-DE67-47F1-9C6F-A086BA2F48DF}" type="datetimeFigureOut">
               <a:rPr lang="fr-FR" smtClean="0"/>
-              <a:t>20/02/2022</a:t>
+              <a:t>22/02/2022</a:t>
             </a:fld>
             <a:endParaRPr lang="fr-FR"/>
           </a:p>
@@ -1968,7 +1969,7 @@
           <a:p>
             <a:fld id="{315B572F-DE67-47F1-9C6F-A086BA2F48DF}" type="datetimeFigureOut">
               <a:rPr lang="fr-FR" smtClean="0"/>
-              <a:t>20/02/2022</a:t>
+              <a:t>22/02/2022</a:t>
             </a:fld>
             <a:endParaRPr lang="fr-FR"/>
           </a:p>
@@ -2081,7 +2082,7 @@
           <a:p>
             <a:fld id="{315B572F-DE67-47F1-9C6F-A086BA2F48DF}" type="datetimeFigureOut">
               <a:rPr lang="fr-FR" smtClean="0"/>
-              <a:t>20/02/2022</a:t>
+              <a:t>22/02/2022</a:t>
             </a:fld>
             <a:endParaRPr lang="fr-FR"/>
           </a:p>
@@ -2392,7 +2393,7 @@
           <a:p>
             <a:fld id="{315B572F-DE67-47F1-9C6F-A086BA2F48DF}" type="datetimeFigureOut">
               <a:rPr lang="fr-FR" smtClean="0"/>
-              <a:t>20/02/2022</a:t>
+              <a:t>22/02/2022</a:t>
             </a:fld>
             <a:endParaRPr lang="fr-FR"/>
           </a:p>
@@ -2680,7 +2681,7 @@
           <a:p>
             <a:fld id="{315B572F-DE67-47F1-9C6F-A086BA2F48DF}" type="datetimeFigureOut">
               <a:rPr lang="fr-FR" smtClean="0"/>
-              <a:t>20/02/2022</a:t>
+              <a:t>22/02/2022</a:t>
             </a:fld>
             <a:endParaRPr lang="fr-FR"/>
           </a:p>
@@ -2921,7 +2922,7 @@
           <a:p>
             <a:fld id="{315B572F-DE67-47F1-9C6F-A086BA2F48DF}" type="datetimeFigureOut">
               <a:rPr lang="fr-FR" smtClean="0"/>
-              <a:t>20/02/2022</a:t>
+              <a:t>22/02/2022</a:t>
             </a:fld>
             <a:endParaRPr lang="fr-FR"/>
           </a:p>
@@ -3359,7 +3360,7 @@
           <a:bodyPr/>
           <a:lstStyle/>
           <a:p>
-            <a:endParaRPr lang="fr-FR"/>
+            <a:endParaRPr lang="fr-FR" dirty="0"/>
           </a:p>
         </p:txBody>
       </p:sp>
@@ -3569,8 +3570,8 @@
           </a:fontRef>
         </p:style>
       </p:cxnSp>
-      <mc:AlternateContent xmlns:mc="http://schemas.openxmlformats.org/markup-compatibility/2006">
-        <mc:Choice xmlns:a14="http://schemas.microsoft.com/office/drawing/2010/main" Requires="a14">
+      <mc:AlternateContent xmlns:mc="http://schemas.openxmlformats.org/markup-compatibility/2006" xmlns:a14="http://schemas.microsoft.com/office/drawing/2010/main">
+        <mc:Choice Requires="a14">
           <p:sp>
             <p:nvSpPr>
               <p:cNvPr id="8" name="ZoneTexte 7">
@@ -3639,7 +3640,7 @@
             </p:txBody>
           </p:sp>
         </mc:Choice>
-        <mc:Fallback>
+        <mc:Fallback xmlns="">
           <p:sp>
             <p:nvSpPr>
               <p:cNvPr id="8" name="ZoneTexte 7">
@@ -3684,8 +3685,8 @@
           </p:sp>
         </mc:Fallback>
       </mc:AlternateContent>
-      <mc:AlternateContent xmlns:mc="http://schemas.openxmlformats.org/markup-compatibility/2006">
-        <mc:Choice xmlns:a14="http://schemas.microsoft.com/office/drawing/2010/main" Requires="a14">
+      <mc:AlternateContent xmlns:mc="http://schemas.openxmlformats.org/markup-compatibility/2006" xmlns:a14="http://schemas.microsoft.com/office/drawing/2010/main">
+        <mc:Choice Requires="a14">
           <p:sp>
             <p:nvSpPr>
               <p:cNvPr id="9" name="ZoneTexte 8">
@@ -3754,7 +3755,7 @@
             </p:txBody>
           </p:sp>
         </mc:Choice>
-        <mc:Fallback>
+        <mc:Fallback xmlns="">
           <p:sp>
             <p:nvSpPr>
               <p:cNvPr id="9" name="ZoneTexte 8">
@@ -3803,6 +3804,1965 @@
     <p:extLst>
       <p:ext uri="{BB962C8B-B14F-4D97-AF65-F5344CB8AC3E}">
         <p14:creationId xmlns:p14="http://schemas.microsoft.com/office/powerpoint/2010/main" val="2569205461"/>
+      </p:ext>
+    </p:extLst>
+  </p:cSld>
+  <p:clrMapOvr>
+    <a:masterClrMapping/>
+  </p:clrMapOvr>
+</p:sld>
+</file>
+
+<file path=ppt/slides/slide3.xml><?xml version="1.0" encoding="utf-8"?>
+<p:sld xmlns:a="http://schemas.openxmlformats.org/drawingml/2006/main" xmlns:r="http://schemas.openxmlformats.org/officeDocument/2006/relationships" xmlns:p="http://schemas.openxmlformats.org/presentationml/2006/main">
+  <p:cSld>
+    <p:spTree>
+      <p:nvGrpSpPr>
+        <p:cNvPr id="1" name=""/>
+        <p:cNvGrpSpPr/>
+        <p:nvPr/>
+      </p:nvGrpSpPr>
+      <p:grpSpPr>
+        <a:xfrm>
+          <a:off x="0" y="0"/>
+          <a:ext cx="0" cy="0"/>
+          <a:chOff x="0" y="0"/>
+          <a:chExt cx="0" cy="0"/>
+        </a:xfrm>
+      </p:grpSpPr>
+      <p:cxnSp>
+        <p:nvCxnSpPr>
+          <p:cNvPr id="6" name="Connecteur droit 5">
+            <a:extLst>
+              <a:ext uri="{FF2B5EF4-FFF2-40B4-BE49-F238E27FC236}">
+                <a16:creationId xmlns:a16="http://schemas.microsoft.com/office/drawing/2014/main" id="{EA187BA9-559C-4BFC-A2AA-D52F6E67F135}"/>
+              </a:ext>
+            </a:extLst>
+          </p:cNvPr>
+          <p:cNvCxnSpPr>
+            <a:cxnSpLocks/>
+            <a:endCxn id="10" idx="1"/>
+          </p:cNvCxnSpPr>
+          <p:nvPr/>
+        </p:nvCxnSpPr>
+        <p:spPr>
+          <a:xfrm>
+            <a:off x="1242929" y="3429000"/>
+            <a:ext cx="541221" cy="0"/>
+          </a:xfrm>
+          <a:prstGeom prst="line">
+            <a:avLst/>
+          </a:prstGeom>
+          <a:noFill/>
+          <a:ln w="12700">
+            <a:solidFill>
+              <a:srgbClr val="002060"/>
+            </a:solidFill>
+            <a:tailEnd type="stealth" w="med" len="lg"/>
+          </a:ln>
+        </p:spPr>
+        <p:style>
+          <a:lnRef idx="2">
+            <a:schemeClr val="accent1">
+              <a:shade val="50000"/>
+            </a:schemeClr>
+          </a:lnRef>
+          <a:fillRef idx="1">
+            <a:schemeClr val="accent1"/>
+          </a:fillRef>
+          <a:effectRef idx="0">
+            <a:schemeClr val="accent1"/>
+          </a:effectRef>
+          <a:fontRef idx="minor">
+            <a:schemeClr val="lt1"/>
+          </a:fontRef>
+        </p:style>
+      </p:cxnSp>
+      <p:cxnSp>
+        <p:nvCxnSpPr>
+          <p:cNvPr id="7" name="Connecteur droit 6">
+            <a:extLst>
+              <a:ext uri="{FF2B5EF4-FFF2-40B4-BE49-F238E27FC236}">
+                <a16:creationId xmlns:a16="http://schemas.microsoft.com/office/drawing/2014/main" id="{4F7E1B31-77DB-45B9-B22B-7450275755A3}"/>
+              </a:ext>
+            </a:extLst>
+          </p:cNvPr>
+          <p:cNvCxnSpPr/>
+          <p:nvPr/>
+        </p:nvCxnSpPr>
+        <p:spPr>
+          <a:xfrm>
+            <a:off x="2648150" y="3429000"/>
+            <a:ext cx="541221" cy="0"/>
+          </a:xfrm>
+          <a:prstGeom prst="line">
+            <a:avLst/>
+          </a:prstGeom>
+          <a:noFill/>
+          <a:ln w="12700">
+            <a:solidFill>
+              <a:srgbClr val="002060"/>
+            </a:solidFill>
+            <a:tailEnd type="stealth" w="med" len="lg"/>
+          </a:ln>
+        </p:spPr>
+        <p:style>
+          <a:lnRef idx="2">
+            <a:schemeClr val="accent1">
+              <a:shade val="50000"/>
+            </a:schemeClr>
+          </a:lnRef>
+          <a:fillRef idx="1">
+            <a:schemeClr val="accent1"/>
+          </a:fillRef>
+          <a:effectRef idx="0">
+            <a:schemeClr val="accent1"/>
+          </a:effectRef>
+          <a:fontRef idx="minor">
+            <a:schemeClr val="lt1"/>
+          </a:fontRef>
+        </p:style>
+      </p:cxnSp>
+      <mc:AlternateContent xmlns:mc="http://schemas.openxmlformats.org/markup-compatibility/2006">
+        <mc:Choice xmlns:a14="http://schemas.microsoft.com/office/drawing/2010/main" Requires="a14">
+          <p:sp>
+            <p:nvSpPr>
+              <p:cNvPr id="8" name="ZoneTexte 7">
+                <a:extLst>
+                  <a:ext uri="{FF2B5EF4-FFF2-40B4-BE49-F238E27FC236}">
+                    <a16:creationId xmlns:a16="http://schemas.microsoft.com/office/drawing/2014/main" id="{0DA7640F-088D-4DD9-B616-D3FF734DC4A6}"/>
+                  </a:ext>
+                </a:extLst>
+              </p:cNvPr>
+              <p:cNvSpPr txBox="1"/>
+              <p:nvPr/>
+            </p:nvSpPr>
+            <p:spPr>
+              <a:xfrm>
+                <a:off x="1326393" y="3213000"/>
+                <a:ext cx="283860" cy="169277"/>
+              </a:xfrm>
+              <a:prstGeom prst="rect">
+                <a:avLst/>
+              </a:prstGeom>
+              <a:noFill/>
+            </p:spPr>
+            <p:txBody>
+              <a:bodyPr wrap="none" lIns="0" tIns="0" rIns="0" bIns="0" rtlCol="0">
+                <a:spAutoFit/>
+              </a:bodyPr>
+              <a:lstStyle/>
+              <a:p>
+                <a:pPr/>
+                <a14:m>
+                  <m:oMathPara xmlns:m="http://schemas.openxmlformats.org/officeDocument/2006/math">
+                    <m:oMathParaPr>
+                      <m:jc m:val="center"/>
+                    </m:oMathParaPr>
+                    <m:oMath xmlns:m="http://schemas.openxmlformats.org/officeDocument/2006/math">
+                      <m:r>
+                        <a:rPr lang="fr-FR" sz="1100" b="0" i="1" smtClean="0">
+                          <a:latin typeface="Cambria Math" panose="02040503050406030204" pitchFamily="18" charset="0"/>
+                        </a:rPr>
+                        <m:t>𝑒</m:t>
+                      </m:r>
+                      <m:r>
+                        <a:rPr lang="fr-FR" sz="1100" b="0" i="1" smtClean="0">
+                          <a:latin typeface="Cambria Math" panose="02040503050406030204" pitchFamily="18" charset="0"/>
+                        </a:rPr>
+                        <m:t>(</m:t>
+                      </m:r>
+                      <m:r>
+                        <a:rPr lang="fr-FR" sz="1100" b="0" i="1" smtClean="0">
+                          <a:latin typeface="Cambria Math" panose="02040503050406030204" pitchFamily="18" charset="0"/>
+                        </a:rPr>
+                        <m:t>𝑡</m:t>
+                      </m:r>
+                      <m:r>
+                        <a:rPr lang="fr-FR" sz="1100" b="0" i="1" smtClean="0">
+                          <a:latin typeface="Cambria Math" panose="02040503050406030204" pitchFamily="18" charset="0"/>
+                        </a:rPr>
+                        <m:t>)</m:t>
+                      </m:r>
+                    </m:oMath>
+                  </m:oMathPara>
+                </a14:m>
+                <a:endParaRPr lang="fr-FR" sz="1100" dirty="0"/>
+              </a:p>
+            </p:txBody>
+          </p:sp>
+        </mc:Choice>
+        <mc:Fallback>
+          <p:sp>
+            <p:nvSpPr>
+              <p:cNvPr id="8" name="ZoneTexte 7">
+                <a:extLst>
+                  <a:ext uri="{FF2B5EF4-FFF2-40B4-BE49-F238E27FC236}">
+                    <a16:creationId xmlns:a16="http://schemas.microsoft.com/office/drawing/2014/main" id="{0DA7640F-088D-4DD9-B616-D3FF734DC4A6}"/>
+                  </a:ext>
+                </a:extLst>
+              </p:cNvPr>
+              <p:cNvSpPr txBox="1">
+                <a:spLocks noRot="1" noChangeAspect="1" noMove="1" noResize="1" noEditPoints="1" noAdjustHandles="1" noChangeArrowheads="1" noChangeShapeType="1" noTextEdit="1"/>
+              </p:cNvSpPr>
+              <p:nvPr/>
+            </p:nvSpPr>
+            <p:spPr>
+              <a:xfrm>
+                <a:off x="1326393" y="3213000"/>
+                <a:ext cx="283860" cy="169277"/>
+              </a:xfrm>
+              <a:prstGeom prst="rect">
+                <a:avLst/>
+              </a:prstGeom>
+              <a:blipFill>
+                <a:blip r:embed="rId2"/>
+                <a:stretch>
+                  <a:fillRect l="-6522" r="-19565" b="-35714"/>
+                </a:stretch>
+              </a:blipFill>
+            </p:spPr>
+            <p:txBody>
+              <a:bodyPr/>
+              <a:lstStyle/>
+              <a:p>
+                <a:r>
+                  <a:rPr lang="fr-FR">
+                    <a:noFill/>
+                  </a:rPr>
+                  <a:t> </a:t>
+                </a:r>
+              </a:p>
+            </p:txBody>
+          </p:sp>
+        </mc:Fallback>
+      </mc:AlternateContent>
+      <mc:AlternateContent xmlns:mc="http://schemas.openxmlformats.org/markup-compatibility/2006">
+        <mc:Choice xmlns:a14="http://schemas.microsoft.com/office/drawing/2010/main" Requires="a14">
+          <p:sp>
+            <p:nvSpPr>
+              <p:cNvPr id="9" name="ZoneTexte 8">
+                <a:extLst>
+                  <a:ext uri="{FF2B5EF4-FFF2-40B4-BE49-F238E27FC236}">
+                    <a16:creationId xmlns:a16="http://schemas.microsoft.com/office/drawing/2014/main" id="{4C48FAC5-4B8E-4798-93AA-00005A60D018}"/>
+                  </a:ext>
+                </a:extLst>
+              </p:cNvPr>
+              <p:cNvSpPr txBox="1"/>
+              <p:nvPr/>
+            </p:nvSpPr>
+            <p:spPr>
+              <a:xfrm>
+                <a:off x="7210994" y="3236361"/>
+                <a:ext cx="278859" cy="169277"/>
+              </a:xfrm>
+              <a:prstGeom prst="rect">
+                <a:avLst/>
+              </a:prstGeom>
+              <a:noFill/>
+            </p:spPr>
+            <p:txBody>
+              <a:bodyPr wrap="none" lIns="0" tIns="0" rIns="0" bIns="0" rtlCol="0">
+                <a:spAutoFit/>
+              </a:bodyPr>
+              <a:lstStyle/>
+              <a:p>
+                <a:pPr/>
+                <a14:m>
+                  <m:oMathPara xmlns:m="http://schemas.openxmlformats.org/officeDocument/2006/math">
+                    <m:oMathParaPr>
+                      <m:jc m:val="center"/>
+                    </m:oMathParaPr>
+                    <m:oMath xmlns:m="http://schemas.openxmlformats.org/officeDocument/2006/math">
+                      <m:r>
+                        <a:rPr lang="fr-FR" sz="1100" b="0" i="1" smtClean="0">
+                          <a:latin typeface="Cambria Math" panose="02040503050406030204" pitchFamily="18" charset="0"/>
+                        </a:rPr>
+                        <m:t>𝑠</m:t>
+                      </m:r>
+                      <m:r>
+                        <a:rPr lang="fr-FR" sz="1100" b="0" i="1" smtClean="0">
+                          <a:latin typeface="Cambria Math" panose="02040503050406030204" pitchFamily="18" charset="0"/>
+                        </a:rPr>
+                        <m:t>(</m:t>
+                      </m:r>
+                      <m:r>
+                        <a:rPr lang="fr-FR" sz="1100" b="0" i="1" smtClean="0">
+                          <a:latin typeface="Cambria Math" panose="02040503050406030204" pitchFamily="18" charset="0"/>
+                        </a:rPr>
+                        <m:t>𝑡</m:t>
+                      </m:r>
+                      <m:r>
+                        <a:rPr lang="fr-FR" sz="1100" b="0" i="1" smtClean="0">
+                          <a:latin typeface="Cambria Math" panose="02040503050406030204" pitchFamily="18" charset="0"/>
+                        </a:rPr>
+                        <m:t>)</m:t>
+                      </m:r>
+                    </m:oMath>
+                  </m:oMathPara>
+                </a14:m>
+                <a:endParaRPr lang="fr-FR" sz="1100" dirty="0"/>
+              </a:p>
+            </p:txBody>
+          </p:sp>
+        </mc:Choice>
+        <mc:Fallback>
+          <p:sp>
+            <p:nvSpPr>
+              <p:cNvPr id="9" name="ZoneTexte 8">
+                <a:extLst>
+                  <a:ext uri="{FF2B5EF4-FFF2-40B4-BE49-F238E27FC236}">
+                    <a16:creationId xmlns:a16="http://schemas.microsoft.com/office/drawing/2014/main" id="{4C48FAC5-4B8E-4798-93AA-00005A60D018}"/>
+                  </a:ext>
+                </a:extLst>
+              </p:cNvPr>
+              <p:cNvSpPr txBox="1">
+                <a:spLocks noRot="1" noChangeAspect="1" noMove="1" noResize="1" noEditPoints="1" noAdjustHandles="1" noChangeArrowheads="1" noChangeShapeType="1" noTextEdit="1"/>
+              </p:cNvSpPr>
+              <p:nvPr/>
+            </p:nvSpPr>
+            <p:spPr>
+              <a:xfrm>
+                <a:off x="7210994" y="3236361"/>
+                <a:ext cx="278859" cy="169277"/>
+              </a:xfrm>
+              <a:prstGeom prst="rect">
+                <a:avLst/>
+              </a:prstGeom>
+              <a:blipFill>
+                <a:blip r:embed="rId3"/>
+                <a:stretch>
+                  <a:fillRect l="-6522" r="-17391" b="-35714"/>
+                </a:stretch>
+              </a:blipFill>
+            </p:spPr>
+            <p:txBody>
+              <a:bodyPr/>
+              <a:lstStyle/>
+              <a:p>
+                <a:r>
+                  <a:rPr lang="fr-FR">
+                    <a:noFill/>
+                  </a:rPr>
+                  <a:t> </a:t>
+                </a:r>
+              </a:p>
+            </p:txBody>
+          </p:sp>
+        </mc:Fallback>
+      </mc:AlternateContent>
+      <p:sp>
+        <p:nvSpPr>
+          <p:cNvPr id="10" name="Rectangle 9">
+            <a:extLst>
+              <a:ext uri="{FF2B5EF4-FFF2-40B4-BE49-F238E27FC236}">
+                <a16:creationId xmlns:a16="http://schemas.microsoft.com/office/drawing/2014/main" id="{AF963CD4-FB0B-4287-842D-31DE55C7843B}"/>
+              </a:ext>
+            </a:extLst>
+          </p:cNvPr>
+          <p:cNvSpPr/>
+          <p:nvPr/>
+        </p:nvSpPr>
+        <p:spPr>
+          <a:xfrm>
+            <a:off x="1784150" y="3249000"/>
+            <a:ext cx="864000" cy="360000"/>
+          </a:xfrm>
+          <a:prstGeom prst="rect">
+            <a:avLst/>
+          </a:prstGeom>
+          <a:noFill/>
+          <a:ln w="12700">
+            <a:solidFill>
+              <a:srgbClr val="002060"/>
+            </a:solidFill>
+          </a:ln>
+        </p:spPr>
+        <p:style>
+          <a:lnRef idx="2">
+            <a:schemeClr val="accent1">
+              <a:shade val="50000"/>
+            </a:schemeClr>
+          </a:lnRef>
+          <a:fillRef idx="1">
+            <a:schemeClr val="accent1"/>
+          </a:fillRef>
+          <a:effectRef idx="0">
+            <a:schemeClr val="accent1"/>
+          </a:effectRef>
+          <a:fontRef idx="minor">
+            <a:schemeClr val="lt1"/>
+          </a:fontRef>
+        </p:style>
+        <p:txBody>
+          <a:bodyPr rtlCol="0" anchor="ctr"/>
+          <a:lstStyle/>
+          <a:p>
+            <a:pPr algn="ctr"/>
+            <a:r>
+              <a:rPr lang="fr-FR" sz="1000" dirty="0">
+                <a:solidFill>
+                  <a:srgbClr val="002060"/>
+                </a:solidFill>
+              </a:rPr>
+              <a:t>Adaptateur</a:t>
+            </a:r>
+          </a:p>
+        </p:txBody>
+      </p:sp>
+      <p:sp>
+        <p:nvSpPr>
+          <p:cNvPr id="5" name="Organigramme : Jonction de sommaire 4">
+            <a:extLst>
+              <a:ext uri="{FF2B5EF4-FFF2-40B4-BE49-F238E27FC236}">
+                <a16:creationId xmlns:a16="http://schemas.microsoft.com/office/drawing/2014/main" id="{92DC49F7-1F8C-4D0E-AC80-F034769885BF}"/>
+              </a:ext>
+            </a:extLst>
+          </p:cNvPr>
+          <p:cNvSpPr/>
+          <p:nvPr/>
+        </p:nvSpPr>
+        <p:spPr>
+          <a:xfrm>
+            <a:off x="3189371" y="3321000"/>
+            <a:ext cx="216000" cy="216000"/>
+          </a:xfrm>
+          <a:prstGeom prst="flowChartSummingJunction">
+            <a:avLst/>
+          </a:prstGeom>
+          <a:noFill/>
+          <a:ln w="12700">
+            <a:solidFill>
+              <a:srgbClr val="002060"/>
+            </a:solidFill>
+          </a:ln>
+        </p:spPr>
+        <p:style>
+          <a:lnRef idx="2">
+            <a:schemeClr val="accent1">
+              <a:shade val="50000"/>
+            </a:schemeClr>
+          </a:lnRef>
+          <a:fillRef idx="1">
+            <a:schemeClr val="accent1"/>
+          </a:fillRef>
+          <a:effectRef idx="0">
+            <a:schemeClr val="accent1"/>
+          </a:effectRef>
+          <a:fontRef idx="minor">
+            <a:schemeClr val="lt1"/>
+          </a:fontRef>
+        </p:style>
+        <p:txBody>
+          <a:bodyPr rtlCol="0" anchor="ctr"/>
+          <a:lstStyle/>
+          <a:p>
+            <a:pPr algn="ctr"/>
+            <a:endParaRPr lang="fr-FR" sz="1000">
+              <a:solidFill>
+                <a:srgbClr val="002060"/>
+              </a:solidFill>
+            </a:endParaRPr>
+          </a:p>
+        </p:txBody>
+      </p:sp>
+      <mc:AlternateContent xmlns:mc="http://schemas.openxmlformats.org/markup-compatibility/2006">
+        <mc:Choice xmlns:a14="http://schemas.microsoft.com/office/drawing/2010/main" Requires="a14">
+          <p:sp>
+            <p:nvSpPr>
+              <p:cNvPr id="11" name="ZoneTexte 10">
+                <a:extLst>
+                  <a:ext uri="{FF2B5EF4-FFF2-40B4-BE49-F238E27FC236}">
+                    <a16:creationId xmlns:a16="http://schemas.microsoft.com/office/drawing/2014/main" id="{71C70D13-4C72-4C6E-BB75-EC258CBDAE23}"/>
+                  </a:ext>
+                </a:extLst>
+              </p:cNvPr>
+              <p:cNvSpPr txBox="1"/>
+              <p:nvPr/>
+            </p:nvSpPr>
+            <p:spPr>
+              <a:xfrm>
+                <a:off x="3184230" y="3365547"/>
+                <a:ext cx="99386" cy="123111"/>
+              </a:xfrm>
+              <a:prstGeom prst="rect">
+                <a:avLst/>
+              </a:prstGeom>
+              <a:noFill/>
+            </p:spPr>
+            <p:txBody>
+              <a:bodyPr wrap="none" lIns="0" tIns="0" rIns="0" bIns="0" rtlCol="0">
+                <a:spAutoFit/>
+              </a:bodyPr>
+              <a:lstStyle/>
+              <a:p>
+                <a:pPr/>
+                <a14:m>
+                  <m:oMathPara xmlns:m="http://schemas.openxmlformats.org/officeDocument/2006/math">
+                    <m:oMathParaPr>
+                      <m:jc m:val="center"/>
+                    </m:oMathParaPr>
+                    <m:oMath xmlns:m="http://schemas.openxmlformats.org/officeDocument/2006/math">
+                      <m:r>
+                        <a:rPr lang="fr-FR" sz="800" b="1" i="0" smtClean="0">
+                          <a:latin typeface="Cambria Math" panose="02040503050406030204" pitchFamily="18" charset="0"/>
+                        </a:rPr>
+                        <m:t>+</m:t>
+                      </m:r>
+                    </m:oMath>
+                  </m:oMathPara>
+                </a14:m>
+                <a:endParaRPr lang="fr-FR" sz="800" b="1" dirty="0"/>
+              </a:p>
+            </p:txBody>
+          </p:sp>
+        </mc:Choice>
+        <mc:Fallback>
+          <p:sp>
+            <p:nvSpPr>
+              <p:cNvPr id="11" name="ZoneTexte 10">
+                <a:extLst>
+                  <a:ext uri="{FF2B5EF4-FFF2-40B4-BE49-F238E27FC236}">
+                    <a16:creationId xmlns:a16="http://schemas.microsoft.com/office/drawing/2014/main" id="{71C70D13-4C72-4C6E-BB75-EC258CBDAE23}"/>
+                  </a:ext>
+                </a:extLst>
+              </p:cNvPr>
+              <p:cNvSpPr txBox="1">
+                <a:spLocks noRot="1" noChangeAspect="1" noMove="1" noResize="1" noEditPoints="1" noAdjustHandles="1" noChangeArrowheads="1" noChangeShapeType="1" noTextEdit="1"/>
+              </p:cNvSpPr>
+              <p:nvPr/>
+            </p:nvSpPr>
+            <p:spPr>
+              <a:xfrm>
+                <a:off x="3184230" y="3365547"/>
+                <a:ext cx="99386" cy="123111"/>
+              </a:xfrm>
+              <a:prstGeom prst="rect">
+                <a:avLst/>
+              </a:prstGeom>
+              <a:blipFill>
+                <a:blip r:embed="rId4"/>
+                <a:stretch>
+                  <a:fillRect l="-23529" r="-23529" b="-15000"/>
+                </a:stretch>
+              </a:blipFill>
+            </p:spPr>
+            <p:txBody>
+              <a:bodyPr/>
+              <a:lstStyle/>
+              <a:p>
+                <a:r>
+                  <a:rPr lang="fr-FR">
+                    <a:noFill/>
+                  </a:rPr>
+                  <a:t> </a:t>
+                </a:r>
+              </a:p>
+            </p:txBody>
+          </p:sp>
+        </mc:Fallback>
+      </mc:AlternateContent>
+      <mc:AlternateContent xmlns:mc="http://schemas.openxmlformats.org/markup-compatibility/2006">
+        <mc:Choice xmlns:a14="http://schemas.microsoft.com/office/drawing/2010/main" Requires="a14">
+          <p:sp>
+            <p:nvSpPr>
+              <p:cNvPr id="12" name="ZoneTexte 11">
+                <a:extLst>
+                  <a:ext uri="{FF2B5EF4-FFF2-40B4-BE49-F238E27FC236}">
+                    <a16:creationId xmlns:a16="http://schemas.microsoft.com/office/drawing/2014/main" id="{D1CA67A8-B808-4875-AA85-4E0064472A4E}"/>
+                  </a:ext>
+                </a:extLst>
+              </p:cNvPr>
+              <p:cNvSpPr txBox="1"/>
+              <p:nvPr/>
+            </p:nvSpPr>
+            <p:spPr>
+              <a:xfrm>
+                <a:off x="3251894" y="3433208"/>
+                <a:ext cx="99386" cy="123111"/>
+              </a:xfrm>
+              <a:prstGeom prst="rect">
+                <a:avLst/>
+              </a:prstGeom>
+              <a:noFill/>
+            </p:spPr>
+            <p:txBody>
+              <a:bodyPr wrap="none" lIns="0" tIns="0" rIns="0" bIns="0" rtlCol="0">
+                <a:spAutoFit/>
+              </a:bodyPr>
+              <a:lstStyle/>
+              <a:p>
+                <a:pPr/>
+                <a14:m>
+                  <m:oMathPara xmlns:m="http://schemas.openxmlformats.org/officeDocument/2006/math">
+                    <m:oMathParaPr>
+                      <m:jc m:val="center"/>
+                    </m:oMathParaPr>
+                    <m:oMath xmlns:m="http://schemas.openxmlformats.org/officeDocument/2006/math">
+                      <m:r>
+                        <a:rPr lang="fr-FR" sz="800" b="1" i="0" smtClean="0">
+                          <a:latin typeface="Cambria Math" panose="02040503050406030204" pitchFamily="18" charset="0"/>
+                        </a:rPr>
+                        <m:t>−</m:t>
+                      </m:r>
+                    </m:oMath>
+                  </m:oMathPara>
+                </a14:m>
+                <a:endParaRPr lang="fr-FR" sz="800" b="1" dirty="0"/>
+              </a:p>
+            </p:txBody>
+          </p:sp>
+        </mc:Choice>
+        <mc:Fallback>
+          <p:sp>
+            <p:nvSpPr>
+              <p:cNvPr id="12" name="ZoneTexte 11">
+                <a:extLst>
+                  <a:ext uri="{FF2B5EF4-FFF2-40B4-BE49-F238E27FC236}">
+                    <a16:creationId xmlns:a16="http://schemas.microsoft.com/office/drawing/2014/main" id="{D1CA67A8-B808-4875-AA85-4E0064472A4E}"/>
+                  </a:ext>
+                </a:extLst>
+              </p:cNvPr>
+              <p:cNvSpPr txBox="1">
+                <a:spLocks noRot="1" noChangeAspect="1" noMove="1" noResize="1" noEditPoints="1" noAdjustHandles="1" noChangeArrowheads="1" noChangeShapeType="1" noTextEdit="1"/>
+              </p:cNvSpPr>
+              <p:nvPr/>
+            </p:nvSpPr>
+            <p:spPr>
+              <a:xfrm>
+                <a:off x="3251894" y="3433208"/>
+                <a:ext cx="99386" cy="123111"/>
+              </a:xfrm>
+              <a:prstGeom prst="rect">
+                <a:avLst/>
+              </a:prstGeom>
+              <a:blipFill>
+                <a:blip r:embed="rId5"/>
+                <a:stretch>
+                  <a:fillRect l="-5882" r="-5882"/>
+                </a:stretch>
+              </a:blipFill>
+            </p:spPr>
+            <p:txBody>
+              <a:bodyPr/>
+              <a:lstStyle/>
+              <a:p>
+                <a:r>
+                  <a:rPr lang="fr-FR">
+                    <a:noFill/>
+                  </a:rPr>
+                  <a:t> </a:t>
+                </a:r>
+              </a:p>
+            </p:txBody>
+          </p:sp>
+        </mc:Fallback>
+      </mc:AlternateContent>
+      <p:cxnSp>
+        <p:nvCxnSpPr>
+          <p:cNvPr id="13" name="Connecteur droit 12">
+            <a:extLst>
+              <a:ext uri="{FF2B5EF4-FFF2-40B4-BE49-F238E27FC236}">
+                <a16:creationId xmlns:a16="http://schemas.microsoft.com/office/drawing/2014/main" id="{7E4CAB56-AAA9-4029-8261-CD5FF9481161}"/>
+              </a:ext>
+            </a:extLst>
+          </p:cNvPr>
+          <p:cNvCxnSpPr/>
+          <p:nvPr/>
+        </p:nvCxnSpPr>
+        <p:spPr>
+          <a:xfrm>
+            <a:off x="3405371" y="3429000"/>
+            <a:ext cx="541221" cy="0"/>
+          </a:xfrm>
+          <a:prstGeom prst="line">
+            <a:avLst/>
+          </a:prstGeom>
+          <a:noFill/>
+          <a:ln w="12700">
+            <a:solidFill>
+              <a:srgbClr val="002060"/>
+            </a:solidFill>
+            <a:tailEnd type="stealth" w="med" len="lg"/>
+          </a:ln>
+        </p:spPr>
+        <p:style>
+          <a:lnRef idx="2">
+            <a:schemeClr val="accent1">
+              <a:shade val="50000"/>
+            </a:schemeClr>
+          </a:lnRef>
+          <a:fillRef idx="1">
+            <a:schemeClr val="accent1"/>
+          </a:fillRef>
+          <a:effectRef idx="0">
+            <a:schemeClr val="accent1"/>
+          </a:effectRef>
+          <a:fontRef idx="minor">
+            <a:schemeClr val="lt1"/>
+          </a:fontRef>
+        </p:style>
+      </p:cxnSp>
+      <p:sp>
+        <p:nvSpPr>
+          <p:cNvPr id="14" name="Rectangle 13">
+            <a:extLst>
+              <a:ext uri="{FF2B5EF4-FFF2-40B4-BE49-F238E27FC236}">
+                <a16:creationId xmlns:a16="http://schemas.microsoft.com/office/drawing/2014/main" id="{13FD10CD-455E-431F-949C-6AE0B2374974}"/>
+              </a:ext>
+            </a:extLst>
+          </p:cNvPr>
+          <p:cNvSpPr/>
+          <p:nvPr/>
+        </p:nvSpPr>
+        <p:spPr>
+          <a:xfrm>
+            <a:off x="3946592" y="3247102"/>
+            <a:ext cx="864000" cy="360000"/>
+          </a:xfrm>
+          <a:prstGeom prst="rect">
+            <a:avLst/>
+          </a:prstGeom>
+          <a:noFill/>
+          <a:ln w="12700">
+            <a:solidFill>
+              <a:srgbClr val="002060"/>
+            </a:solidFill>
+          </a:ln>
+        </p:spPr>
+        <p:style>
+          <a:lnRef idx="2">
+            <a:schemeClr val="accent1">
+              <a:shade val="50000"/>
+            </a:schemeClr>
+          </a:lnRef>
+          <a:fillRef idx="1">
+            <a:schemeClr val="accent1"/>
+          </a:fillRef>
+          <a:effectRef idx="0">
+            <a:schemeClr val="accent1"/>
+          </a:effectRef>
+          <a:fontRef idx="minor">
+            <a:schemeClr val="lt1"/>
+          </a:fontRef>
+        </p:style>
+        <p:txBody>
+          <a:bodyPr rtlCol="0" anchor="ctr"/>
+          <a:lstStyle/>
+          <a:p>
+            <a:pPr algn="ctr"/>
+            <a:r>
+              <a:rPr lang="fr-FR" sz="1000" dirty="0">
+                <a:solidFill>
+                  <a:srgbClr val="002060"/>
+                </a:solidFill>
+              </a:rPr>
+              <a:t>Correcteur numérique</a:t>
+            </a:r>
+          </a:p>
+        </p:txBody>
+      </p:sp>
+      <p:cxnSp>
+        <p:nvCxnSpPr>
+          <p:cNvPr id="15" name="Connecteur droit 14">
+            <a:extLst>
+              <a:ext uri="{FF2B5EF4-FFF2-40B4-BE49-F238E27FC236}">
+                <a16:creationId xmlns:a16="http://schemas.microsoft.com/office/drawing/2014/main" id="{20D001D9-6892-4865-AC8B-CFC0BDBB07F4}"/>
+              </a:ext>
+            </a:extLst>
+          </p:cNvPr>
+          <p:cNvCxnSpPr>
+            <a:cxnSpLocks/>
+            <a:stCxn id="14" idx="3"/>
+            <a:endCxn id="16" idx="1"/>
+          </p:cNvCxnSpPr>
+          <p:nvPr/>
+        </p:nvCxnSpPr>
+        <p:spPr>
+          <a:xfrm>
+            <a:off x="4810592" y="3427102"/>
+            <a:ext cx="377372" cy="0"/>
+          </a:xfrm>
+          <a:prstGeom prst="line">
+            <a:avLst/>
+          </a:prstGeom>
+          <a:noFill/>
+          <a:ln w="12700">
+            <a:solidFill>
+              <a:srgbClr val="002060"/>
+            </a:solidFill>
+            <a:tailEnd type="stealth" w="med" len="lg"/>
+          </a:ln>
+        </p:spPr>
+        <p:style>
+          <a:lnRef idx="2">
+            <a:schemeClr val="accent1">
+              <a:shade val="50000"/>
+            </a:schemeClr>
+          </a:lnRef>
+          <a:fillRef idx="1">
+            <a:schemeClr val="accent1"/>
+          </a:fillRef>
+          <a:effectRef idx="0">
+            <a:schemeClr val="accent1"/>
+          </a:effectRef>
+          <a:fontRef idx="minor">
+            <a:schemeClr val="lt1"/>
+          </a:fontRef>
+        </p:style>
+      </p:cxnSp>
+      <p:sp>
+        <p:nvSpPr>
+          <p:cNvPr id="16" name="Rectangle 15">
+            <a:extLst>
+              <a:ext uri="{FF2B5EF4-FFF2-40B4-BE49-F238E27FC236}">
+                <a16:creationId xmlns:a16="http://schemas.microsoft.com/office/drawing/2014/main" id="{76AF0974-4EAF-461B-A4BC-F0232685DFD1}"/>
+              </a:ext>
+            </a:extLst>
+          </p:cNvPr>
+          <p:cNvSpPr/>
+          <p:nvPr/>
+        </p:nvSpPr>
+        <p:spPr>
+          <a:xfrm>
+            <a:off x="5187964" y="3247102"/>
+            <a:ext cx="483649" cy="360000"/>
+          </a:xfrm>
+          <a:prstGeom prst="rect">
+            <a:avLst/>
+          </a:prstGeom>
+          <a:noFill/>
+          <a:ln w="12700">
+            <a:solidFill>
+              <a:srgbClr val="002060"/>
+            </a:solidFill>
+          </a:ln>
+        </p:spPr>
+        <p:style>
+          <a:lnRef idx="2">
+            <a:schemeClr val="accent1">
+              <a:shade val="50000"/>
+            </a:schemeClr>
+          </a:lnRef>
+          <a:fillRef idx="1">
+            <a:schemeClr val="accent1"/>
+          </a:fillRef>
+          <a:effectRef idx="0">
+            <a:schemeClr val="accent1"/>
+          </a:effectRef>
+          <a:fontRef idx="minor">
+            <a:schemeClr val="lt1"/>
+          </a:fontRef>
+        </p:style>
+        <p:txBody>
+          <a:bodyPr rtlCol="0" anchor="ctr"/>
+          <a:lstStyle/>
+          <a:p>
+            <a:pPr algn="ctr"/>
+            <a:r>
+              <a:rPr lang="fr-FR" sz="1000" dirty="0" err="1">
+                <a:solidFill>
+                  <a:srgbClr val="002060"/>
+                </a:solidFill>
+              </a:rPr>
+              <a:t>CNA</a:t>
+            </a:r>
+            <a:endParaRPr lang="fr-FR" sz="1000" dirty="0">
+              <a:solidFill>
+                <a:srgbClr val="002060"/>
+              </a:solidFill>
+            </a:endParaRPr>
+          </a:p>
+        </p:txBody>
+      </p:sp>
+      <p:cxnSp>
+        <p:nvCxnSpPr>
+          <p:cNvPr id="18" name="Connecteur droit 17">
+            <a:extLst>
+              <a:ext uri="{FF2B5EF4-FFF2-40B4-BE49-F238E27FC236}">
+                <a16:creationId xmlns:a16="http://schemas.microsoft.com/office/drawing/2014/main" id="{03F2E35B-EC31-4EBB-9D44-3D53D8AF33AE}"/>
+              </a:ext>
+            </a:extLst>
+          </p:cNvPr>
+          <p:cNvCxnSpPr/>
+          <p:nvPr/>
+        </p:nvCxnSpPr>
+        <p:spPr>
+          <a:xfrm>
+            <a:off x="5674592" y="3429000"/>
+            <a:ext cx="541221" cy="0"/>
+          </a:xfrm>
+          <a:prstGeom prst="line">
+            <a:avLst/>
+          </a:prstGeom>
+          <a:noFill/>
+          <a:ln w="12700">
+            <a:solidFill>
+              <a:srgbClr val="002060"/>
+            </a:solidFill>
+            <a:tailEnd type="stealth" w="med" len="lg"/>
+          </a:ln>
+        </p:spPr>
+        <p:style>
+          <a:lnRef idx="2">
+            <a:schemeClr val="accent1">
+              <a:shade val="50000"/>
+            </a:schemeClr>
+          </a:lnRef>
+          <a:fillRef idx="1">
+            <a:schemeClr val="accent1"/>
+          </a:fillRef>
+          <a:effectRef idx="0">
+            <a:schemeClr val="accent1"/>
+          </a:effectRef>
+          <a:fontRef idx="minor">
+            <a:schemeClr val="lt1"/>
+          </a:fontRef>
+        </p:style>
+      </p:cxnSp>
+      <p:sp>
+        <p:nvSpPr>
+          <p:cNvPr id="19" name="Rectangle 18">
+            <a:extLst>
+              <a:ext uri="{FF2B5EF4-FFF2-40B4-BE49-F238E27FC236}">
+                <a16:creationId xmlns:a16="http://schemas.microsoft.com/office/drawing/2014/main" id="{280796AB-083C-48F6-BF79-658AD92BCB0D}"/>
+              </a:ext>
+            </a:extLst>
+          </p:cNvPr>
+          <p:cNvSpPr/>
+          <p:nvPr/>
+        </p:nvSpPr>
+        <p:spPr>
+          <a:xfrm>
+            <a:off x="6215813" y="3247102"/>
+            <a:ext cx="864000" cy="360000"/>
+          </a:xfrm>
+          <a:prstGeom prst="rect">
+            <a:avLst/>
+          </a:prstGeom>
+          <a:noFill/>
+          <a:ln w="12700">
+            <a:solidFill>
+              <a:srgbClr val="002060"/>
+            </a:solidFill>
+          </a:ln>
+        </p:spPr>
+        <p:style>
+          <a:lnRef idx="2">
+            <a:schemeClr val="accent1">
+              <a:shade val="50000"/>
+            </a:schemeClr>
+          </a:lnRef>
+          <a:fillRef idx="1">
+            <a:schemeClr val="accent1"/>
+          </a:fillRef>
+          <a:effectRef idx="0">
+            <a:schemeClr val="accent1"/>
+          </a:effectRef>
+          <a:fontRef idx="minor">
+            <a:schemeClr val="lt1"/>
+          </a:fontRef>
+        </p:style>
+        <p:txBody>
+          <a:bodyPr rtlCol="0" anchor="ctr"/>
+          <a:lstStyle/>
+          <a:p>
+            <a:pPr algn="ctr"/>
+            <a:r>
+              <a:rPr lang="fr-FR" sz="1000" dirty="0">
+                <a:solidFill>
+                  <a:srgbClr val="002060"/>
+                </a:solidFill>
+              </a:rPr>
+              <a:t>Processus</a:t>
+            </a:r>
+          </a:p>
+        </p:txBody>
+      </p:sp>
+      <p:cxnSp>
+        <p:nvCxnSpPr>
+          <p:cNvPr id="20" name="Connecteur droit 19">
+            <a:extLst>
+              <a:ext uri="{FF2B5EF4-FFF2-40B4-BE49-F238E27FC236}">
+                <a16:creationId xmlns:a16="http://schemas.microsoft.com/office/drawing/2014/main" id="{9DB8DEC3-C36D-4447-9C8B-331AE1BBBC47}"/>
+              </a:ext>
+            </a:extLst>
+          </p:cNvPr>
+          <p:cNvCxnSpPr/>
+          <p:nvPr/>
+        </p:nvCxnSpPr>
+        <p:spPr>
+          <a:xfrm>
+            <a:off x="7079813" y="3429000"/>
+            <a:ext cx="541221" cy="0"/>
+          </a:xfrm>
+          <a:prstGeom prst="line">
+            <a:avLst/>
+          </a:prstGeom>
+          <a:noFill/>
+          <a:ln w="12700">
+            <a:solidFill>
+              <a:srgbClr val="002060"/>
+            </a:solidFill>
+            <a:tailEnd type="stealth" w="med" len="lg"/>
+          </a:ln>
+        </p:spPr>
+        <p:style>
+          <a:lnRef idx="2">
+            <a:schemeClr val="accent1">
+              <a:shade val="50000"/>
+            </a:schemeClr>
+          </a:lnRef>
+          <a:fillRef idx="1">
+            <a:schemeClr val="accent1"/>
+          </a:fillRef>
+          <a:effectRef idx="0">
+            <a:schemeClr val="accent1"/>
+          </a:effectRef>
+          <a:fontRef idx="minor">
+            <a:schemeClr val="lt1"/>
+          </a:fontRef>
+        </p:style>
+      </p:cxnSp>
+      <p:sp>
+        <p:nvSpPr>
+          <p:cNvPr id="21" name="Rectangle 20">
+            <a:extLst>
+              <a:ext uri="{FF2B5EF4-FFF2-40B4-BE49-F238E27FC236}">
+                <a16:creationId xmlns:a16="http://schemas.microsoft.com/office/drawing/2014/main" id="{1B907DC5-91ED-4D60-B82A-913E4B74E0DD}"/>
+              </a:ext>
+            </a:extLst>
+          </p:cNvPr>
+          <p:cNvSpPr/>
+          <p:nvPr/>
+        </p:nvSpPr>
+        <p:spPr>
+          <a:xfrm>
+            <a:off x="4124812" y="3781335"/>
+            <a:ext cx="483649" cy="360000"/>
+          </a:xfrm>
+          <a:prstGeom prst="rect">
+            <a:avLst/>
+          </a:prstGeom>
+          <a:noFill/>
+          <a:ln w="12700">
+            <a:solidFill>
+              <a:srgbClr val="002060"/>
+            </a:solidFill>
+          </a:ln>
+        </p:spPr>
+        <p:style>
+          <a:lnRef idx="2">
+            <a:schemeClr val="accent1">
+              <a:shade val="50000"/>
+            </a:schemeClr>
+          </a:lnRef>
+          <a:fillRef idx="1">
+            <a:schemeClr val="accent1"/>
+          </a:fillRef>
+          <a:effectRef idx="0">
+            <a:schemeClr val="accent1"/>
+          </a:effectRef>
+          <a:fontRef idx="minor">
+            <a:schemeClr val="lt1"/>
+          </a:fontRef>
+        </p:style>
+        <p:txBody>
+          <a:bodyPr rtlCol="0" anchor="ctr"/>
+          <a:lstStyle/>
+          <a:p>
+            <a:pPr algn="ctr"/>
+            <a:r>
+              <a:rPr lang="fr-FR" sz="1000" dirty="0">
+                <a:solidFill>
+                  <a:srgbClr val="002060"/>
+                </a:solidFill>
+              </a:rPr>
+              <a:t>CAN</a:t>
+            </a:r>
+          </a:p>
+        </p:txBody>
+      </p:sp>
+      <p:sp>
+        <p:nvSpPr>
+          <p:cNvPr id="22" name="Rectangle 21">
+            <a:extLst>
+              <a:ext uri="{FF2B5EF4-FFF2-40B4-BE49-F238E27FC236}">
+                <a16:creationId xmlns:a16="http://schemas.microsoft.com/office/drawing/2014/main" id="{F11CDED5-CC92-4A1B-BAC2-DACB9185E512}"/>
+              </a:ext>
+            </a:extLst>
+          </p:cNvPr>
+          <p:cNvSpPr/>
+          <p:nvPr/>
+        </p:nvSpPr>
+        <p:spPr>
+          <a:xfrm>
+            <a:off x="6215813" y="3780879"/>
+            <a:ext cx="864000" cy="360000"/>
+          </a:xfrm>
+          <a:prstGeom prst="rect">
+            <a:avLst/>
+          </a:prstGeom>
+          <a:noFill/>
+          <a:ln w="12700">
+            <a:solidFill>
+              <a:srgbClr val="002060"/>
+            </a:solidFill>
+          </a:ln>
+        </p:spPr>
+        <p:style>
+          <a:lnRef idx="2">
+            <a:schemeClr val="accent1">
+              <a:shade val="50000"/>
+            </a:schemeClr>
+          </a:lnRef>
+          <a:fillRef idx="1">
+            <a:schemeClr val="accent1"/>
+          </a:fillRef>
+          <a:effectRef idx="0">
+            <a:schemeClr val="accent1"/>
+          </a:effectRef>
+          <a:fontRef idx="minor">
+            <a:schemeClr val="lt1"/>
+          </a:fontRef>
+        </p:style>
+        <p:txBody>
+          <a:bodyPr rtlCol="0" anchor="ctr"/>
+          <a:lstStyle/>
+          <a:p>
+            <a:pPr algn="ctr"/>
+            <a:r>
+              <a:rPr lang="fr-FR" sz="1000" dirty="0">
+                <a:solidFill>
+                  <a:srgbClr val="002060"/>
+                </a:solidFill>
+              </a:rPr>
+              <a:t>Capteur</a:t>
+            </a:r>
+          </a:p>
+        </p:txBody>
+      </p:sp>
+      <p:cxnSp>
+        <p:nvCxnSpPr>
+          <p:cNvPr id="23" name="Connecteur droit 22">
+            <a:extLst>
+              <a:ext uri="{FF2B5EF4-FFF2-40B4-BE49-F238E27FC236}">
+                <a16:creationId xmlns:a16="http://schemas.microsoft.com/office/drawing/2014/main" id="{0C17D6C3-3D37-4048-B64A-0FB6CDF31263}"/>
+              </a:ext>
+            </a:extLst>
+          </p:cNvPr>
+          <p:cNvCxnSpPr>
+            <a:cxnSpLocks/>
+            <a:endCxn id="12" idx="2"/>
+          </p:cNvCxnSpPr>
+          <p:nvPr/>
+        </p:nvCxnSpPr>
+        <p:spPr>
+          <a:xfrm flipV="1">
+            <a:off x="3301587" y="3556319"/>
+            <a:ext cx="0" cy="404560"/>
+          </a:xfrm>
+          <a:prstGeom prst="line">
+            <a:avLst/>
+          </a:prstGeom>
+          <a:noFill/>
+          <a:ln w="12700">
+            <a:solidFill>
+              <a:srgbClr val="002060"/>
+            </a:solidFill>
+            <a:tailEnd type="stealth" w="med" len="lg"/>
+          </a:ln>
+        </p:spPr>
+        <p:style>
+          <a:lnRef idx="2">
+            <a:schemeClr val="accent1">
+              <a:shade val="50000"/>
+            </a:schemeClr>
+          </a:lnRef>
+          <a:fillRef idx="1">
+            <a:schemeClr val="accent1"/>
+          </a:fillRef>
+          <a:effectRef idx="0">
+            <a:schemeClr val="accent1"/>
+          </a:effectRef>
+          <a:fontRef idx="minor">
+            <a:schemeClr val="lt1"/>
+          </a:fontRef>
+        </p:style>
+      </p:cxnSp>
+      <p:cxnSp>
+        <p:nvCxnSpPr>
+          <p:cNvPr id="26" name="Connecteur droit 25">
+            <a:extLst>
+              <a:ext uri="{FF2B5EF4-FFF2-40B4-BE49-F238E27FC236}">
+                <a16:creationId xmlns:a16="http://schemas.microsoft.com/office/drawing/2014/main" id="{CCDCD4EA-BC5A-47BE-A96B-0135EC275E9F}"/>
+              </a:ext>
+            </a:extLst>
+          </p:cNvPr>
+          <p:cNvCxnSpPr>
+            <a:cxnSpLocks/>
+            <a:stCxn id="21" idx="1"/>
+          </p:cNvCxnSpPr>
+          <p:nvPr/>
+        </p:nvCxnSpPr>
+        <p:spPr>
+          <a:xfrm flipH="1">
+            <a:off x="3297371" y="3961335"/>
+            <a:ext cx="827441" cy="0"/>
+          </a:xfrm>
+          <a:prstGeom prst="line">
+            <a:avLst/>
+          </a:prstGeom>
+          <a:noFill/>
+          <a:ln w="12700">
+            <a:solidFill>
+              <a:srgbClr val="002060"/>
+            </a:solidFill>
+            <a:headEnd type="none" w="med" len="med"/>
+            <a:tailEnd type="none" w="med" len="med"/>
+          </a:ln>
+        </p:spPr>
+        <p:style>
+          <a:lnRef idx="2">
+            <a:schemeClr val="accent1">
+              <a:shade val="50000"/>
+            </a:schemeClr>
+          </a:lnRef>
+          <a:fillRef idx="1">
+            <a:schemeClr val="accent1"/>
+          </a:fillRef>
+          <a:effectRef idx="0">
+            <a:schemeClr val="accent1"/>
+          </a:effectRef>
+          <a:fontRef idx="minor">
+            <a:schemeClr val="lt1"/>
+          </a:fontRef>
+        </p:style>
+      </p:cxnSp>
+      <p:cxnSp>
+        <p:nvCxnSpPr>
+          <p:cNvPr id="30" name="Connecteur droit 29">
+            <a:extLst>
+              <a:ext uri="{FF2B5EF4-FFF2-40B4-BE49-F238E27FC236}">
+                <a16:creationId xmlns:a16="http://schemas.microsoft.com/office/drawing/2014/main" id="{58E50244-8EF3-4F9E-9650-E89C247CCF23}"/>
+              </a:ext>
+            </a:extLst>
+          </p:cNvPr>
+          <p:cNvCxnSpPr>
+            <a:cxnSpLocks/>
+            <a:stCxn id="21" idx="3"/>
+            <a:endCxn id="22" idx="1"/>
+          </p:cNvCxnSpPr>
+          <p:nvPr/>
+        </p:nvCxnSpPr>
+        <p:spPr>
+          <a:xfrm flipV="1">
+            <a:off x="4608461" y="3960879"/>
+            <a:ext cx="1607352" cy="456"/>
+          </a:xfrm>
+          <a:prstGeom prst="line">
+            <a:avLst/>
+          </a:prstGeom>
+          <a:noFill/>
+          <a:ln w="12700">
+            <a:solidFill>
+              <a:srgbClr val="002060"/>
+            </a:solidFill>
+            <a:headEnd type="none" w="med" len="med"/>
+            <a:tailEnd type="none" w="med" len="med"/>
+          </a:ln>
+        </p:spPr>
+        <p:style>
+          <a:lnRef idx="2">
+            <a:schemeClr val="accent1">
+              <a:shade val="50000"/>
+            </a:schemeClr>
+          </a:lnRef>
+          <a:fillRef idx="1">
+            <a:schemeClr val="accent1"/>
+          </a:fillRef>
+          <a:effectRef idx="0">
+            <a:schemeClr val="accent1"/>
+          </a:effectRef>
+          <a:fontRef idx="minor">
+            <a:schemeClr val="lt1"/>
+          </a:fontRef>
+        </p:style>
+      </p:cxnSp>
+      <p:cxnSp>
+        <p:nvCxnSpPr>
+          <p:cNvPr id="33" name="Connecteur droit 32">
+            <a:extLst>
+              <a:ext uri="{FF2B5EF4-FFF2-40B4-BE49-F238E27FC236}">
+                <a16:creationId xmlns:a16="http://schemas.microsoft.com/office/drawing/2014/main" id="{6AEE0D18-F007-4BFA-8786-2107C03154AF}"/>
+              </a:ext>
+            </a:extLst>
+          </p:cNvPr>
+          <p:cNvCxnSpPr>
+            <a:cxnSpLocks/>
+            <a:endCxn id="22" idx="3"/>
+          </p:cNvCxnSpPr>
+          <p:nvPr/>
+        </p:nvCxnSpPr>
+        <p:spPr>
+          <a:xfrm flipH="1">
+            <a:off x="7079813" y="3960879"/>
+            <a:ext cx="270610" cy="0"/>
+          </a:xfrm>
+          <a:prstGeom prst="line">
+            <a:avLst/>
+          </a:prstGeom>
+          <a:noFill/>
+          <a:ln w="12700">
+            <a:solidFill>
+              <a:srgbClr val="002060"/>
+            </a:solidFill>
+            <a:tailEnd type="stealth" w="med" len="lg"/>
+          </a:ln>
+        </p:spPr>
+        <p:style>
+          <a:lnRef idx="2">
+            <a:schemeClr val="accent1">
+              <a:shade val="50000"/>
+            </a:schemeClr>
+          </a:lnRef>
+          <a:fillRef idx="1">
+            <a:schemeClr val="accent1"/>
+          </a:fillRef>
+          <a:effectRef idx="0">
+            <a:schemeClr val="accent1"/>
+          </a:effectRef>
+          <a:fontRef idx="minor">
+            <a:schemeClr val="lt1"/>
+          </a:fontRef>
+        </p:style>
+      </p:cxnSp>
+      <p:cxnSp>
+        <p:nvCxnSpPr>
+          <p:cNvPr id="36" name="Connecteur droit 35">
+            <a:extLst>
+              <a:ext uri="{FF2B5EF4-FFF2-40B4-BE49-F238E27FC236}">
+                <a16:creationId xmlns:a16="http://schemas.microsoft.com/office/drawing/2014/main" id="{DEC29C95-B6C9-4E96-9E56-6ACD78599402}"/>
+              </a:ext>
+            </a:extLst>
+          </p:cNvPr>
+          <p:cNvCxnSpPr>
+            <a:cxnSpLocks/>
+          </p:cNvCxnSpPr>
+          <p:nvPr/>
+        </p:nvCxnSpPr>
+        <p:spPr>
+          <a:xfrm>
+            <a:off x="7350423" y="3438511"/>
+            <a:ext cx="0" cy="522368"/>
+          </a:xfrm>
+          <a:prstGeom prst="line">
+            <a:avLst/>
+          </a:prstGeom>
+          <a:noFill/>
+          <a:ln w="12700">
+            <a:solidFill>
+              <a:srgbClr val="002060"/>
+            </a:solidFill>
+            <a:headEnd type="none" w="med" len="med"/>
+            <a:tailEnd type="none" w="med" len="med"/>
+          </a:ln>
+        </p:spPr>
+        <p:style>
+          <a:lnRef idx="2">
+            <a:schemeClr val="accent1">
+              <a:shade val="50000"/>
+            </a:schemeClr>
+          </a:lnRef>
+          <a:fillRef idx="1">
+            <a:schemeClr val="accent1"/>
+          </a:fillRef>
+          <a:effectRef idx="0">
+            <a:schemeClr val="accent1"/>
+          </a:effectRef>
+          <a:fontRef idx="minor">
+            <a:schemeClr val="lt1"/>
+          </a:fontRef>
+        </p:style>
+      </p:cxnSp>
+      <mc:AlternateContent xmlns:mc="http://schemas.openxmlformats.org/markup-compatibility/2006">
+        <mc:Choice xmlns:a14="http://schemas.microsoft.com/office/drawing/2010/main" Requires="a14">
+          <p:sp>
+            <p:nvSpPr>
+              <p:cNvPr id="41" name="ZoneTexte 40">
+                <a:extLst>
+                  <a:ext uri="{FF2B5EF4-FFF2-40B4-BE49-F238E27FC236}">
+                    <a16:creationId xmlns:a16="http://schemas.microsoft.com/office/drawing/2014/main" id="{941046EE-4CCA-4D77-B7E9-8C5559273C73}"/>
+                  </a:ext>
+                </a:extLst>
+              </p:cNvPr>
+              <p:cNvSpPr txBox="1"/>
+              <p:nvPr/>
+            </p:nvSpPr>
+            <p:spPr>
+              <a:xfrm>
+                <a:off x="2846002" y="3213000"/>
+                <a:ext cx="169854" cy="169277"/>
+              </a:xfrm>
+              <a:prstGeom prst="rect">
+                <a:avLst/>
+              </a:prstGeom>
+              <a:noFill/>
+            </p:spPr>
+            <p:txBody>
+              <a:bodyPr wrap="none" lIns="0" tIns="0" rIns="0" bIns="0" rtlCol="0">
+                <a:spAutoFit/>
+              </a:bodyPr>
+              <a:lstStyle/>
+              <a:p>
+                <a:pPr/>
+                <a14:m>
+                  <m:oMathPara xmlns:m="http://schemas.openxmlformats.org/officeDocument/2006/math">
+                    <m:oMathParaPr>
+                      <m:jc m:val="center"/>
+                    </m:oMathParaPr>
+                    <m:oMath xmlns:m="http://schemas.openxmlformats.org/officeDocument/2006/math">
+                      <m:sSub>
+                        <m:sSubPr>
+                          <m:ctrlPr>
+                            <a:rPr lang="fr-FR" sz="1100" b="0" i="1" smtClean="0">
+                              <a:latin typeface="Cambria Math" panose="02040503050406030204" pitchFamily="18" charset="0"/>
+                            </a:rPr>
+                          </m:ctrlPr>
+                        </m:sSubPr>
+                        <m:e>
+                          <m:r>
+                            <a:rPr lang="fr-FR" sz="1100" b="0" i="1" smtClean="0">
+                              <a:latin typeface="Cambria Math" panose="02040503050406030204" pitchFamily="18" charset="0"/>
+                            </a:rPr>
+                            <m:t>𝑒</m:t>
+                          </m:r>
+                        </m:e>
+                        <m:sub>
+                          <m:r>
+                            <a:rPr lang="fr-FR" sz="1100" b="0" i="1" smtClean="0">
+                              <a:latin typeface="Cambria Math" panose="02040503050406030204" pitchFamily="18" charset="0"/>
+                            </a:rPr>
+                            <m:t>𝑘</m:t>
+                          </m:r>
+                        </m:sub>
+                      </m:sSub>
+                    </m:oMath>
+                  </m:oMathPara>
+                </a14:m>
+                <a:endParaRPr lang="fr-FR" sz="1100" dirty="0"/>
+              </a:p>
+            </p:txBody>
+          </p:sp>
+        </mc:Choice>
+        <mc:Fallback>
+          <p:sp>
+            <p:nvSpPr>
+              <p:cNvPr id="41" name="ZoneTexte 40">
+                <a:extLst>
+                  <a:ext uri="{FF2B5EF4-FFF2-40B4-BE49-F238E27FC236}">
+                    <a16:creationId xmlns:a16="http://schemas.microsoft.com/office/drawing/2014/main" id="{941046EE-4CCA-4D77-B7E9-8C5559273C73}"/>
+                  </a:ext>
+                </a:extLst>
+              </p:cNvPr>
+              <p:cNvSpPr txBox="1">
+                <a:spLocks noRot="1" noChangeAspect="1" noMove="1" noResize="1" noEditPoints="1" noAdjustHandles="1" noChangeArrowheads="1" noChangeShapeType="1" noTextEdit="1"/>
+              </p:cNvSpPr>
+              <p:nvPr/>
+            </p:nvSpPr>
+            <p:spPr>
+              <a:xfrm>
+                <a:off x="2846002" y="3213000"/>
+                <a:ext cx="169854" cy="169277"/>
+              </a:xfrm>
+              <a:prstGeom prst="rect">
+                <a:avLst/>
+              </a:prstGeom>
+              <a:blipFill>
+                <a:blip r:embed="rId6"/>
+                <a:stretch>
+                  <a:fillRect l="-10714" r="-3571" b="-17857"/>
+                </a:stretch>
+              </a:blipFill>
+            </p:spPr>
+            <p:txBody>
+              <a:bodyPr/>
+              <a:lstStyle/>
+              <a:p>
+                <a:r>
+                  <a:rPr lang="fr-FR">
+                    <a:noFill/>
+                  </a:rPr>
+                  <a:t> </a:t>
+                </a:r>
+              </a:p>
+            </p:txBody>
+          </p:sp>
+        </mc:Fallback>
+      </mc:AlternateContent>
+      <mc:AlternateContent xmlns:mc="http://schemas.openxmlformats.org/markup-compatibility/2006">
+        <mc:Choice xmlns:a14="http://schemas.microsoft.com/office/drawing/2010/main" Requires="a14">
+          <p:sp>
+            <p:nvSpPr>
+              <p:cNvPr id="42" name="ZoneTexte 41">
+                <a:extLst>
+                  <a:ext uri="{FF2B5EF4-FFF2-40B4-BE49-F238E27FC236}">
+                    <a16:creationId xmlns:a16="http://schemas.microsoft.com/office/drawing/2014/main" id="{33E6B9F8-CC5A-4FA5-A0D2-CA72C5BF6F04}"/>
+                  </a:ext>
+                </a:extLst>
+              </p:cNvPr>
+              <p:cNvSpPr txBox="1"/>
+              <p:nvPr/>
+            </p:nvSpPr>
+            <p:spPr>
+              <a:xfrm>
+                <a:off x="3591054" y="3758599"/>
+                <a:ext cx="165686" cy="169277"/>
+              </a:xfrm>
+              <a:prstGeom prst="rect">
+                <a:avLst/>
+              </a:prstGeom>
+              <a:noFill/>
+            </p:spPr>
+            <p:txBody>
+              <a:bodyPr wrap="none" lIns="0" tIns="0" rIns="0" bIns="0" rtlCol="0">
+                <a:spAutoFit/>
+              </a:bodyPr>
+              <a:lstStyle/>
+              <a:p>
+                <a:pPr/>
+                <a14:m>
+                  <m:oMathPara xmlns:m="http://schemas.openxmlformats.org/officeDocument/2006/math">
+                    <m:oMathParaPr>
+                      <m:jc m:val="center"/>
+                    </m:oMathParaPr>
+                    <m:oMath xmlns:m="http://schemas.openxmlformats.org/officeDocument/2006/math">
+                      <m:sSub>
+                        <m:sSubPr>
+                          <m:ctrlPr>
+                            <a:rPr lang="fr-FR" sz="1100" b="0" i="1" smtClean="0">
+                              <a:latin typeface="Cambria Math" panose="02040503050406030204" pitchFamily="18" charset="0"/>
+                            </a:rPr>
+                          </m:ctrlPr>
+                        </m:sSubPr>
+                        <m:e>
+                          <m:r>
+                            <a:rPr lang="fr-FR" sz="1100" b="0" i="1" smtClean="0">
+                              <a:latin typeface="Cambria Math" panose="02040503050406030204" pitchFamily="18" charset="0"/>
+                            </a:rPr>
+                            <m:t>𝑠</m:t>
+                          </m:r>
+                        </m:e>
+                        <m:sub>
+                          <m:r>
+                            <a:rPr lang="fr-FR" sz="1100" b="0" i="1" smtClean="0">
+                              <a:latin typeface="Cambria Math" panose="02040503050406030204" pitchFamily="18" charset="0"/>
+                            </a:rPr>
+                            <m:t>𝑘</m:t>
+                          </m:r>
+                        </m:sub>
+                      </m:sSub>
+                    </m:oMath>
+                  </m:oMathPara>
+                </a14:m>
+                <a:endParaRPr lang="fr-FR" sz="1100" dirty="0"/>
+              </a:p>
+            </p:txBody>
+          </p:sp>
+        </mc:Choice>
+        <mc:Fallback>
+          <p:sp>
+            <p:nvSpPr>
+              <p:cNvPr id="42" name="ZoneTexte 41">
+                <a:extLst>
+                  <a:ext uri="{FF2B5EF4-FFF2-40B4-BE49-F238E27FC236}">
+                    <a16:creationId xmlns:a16="http://schemas.microsoft.com/office/drawing/2014/main" id="{33E6B9F8-CC5A-4FA5-A0D2-CA72C5BF6F04}"/>
+                  </a:ext>
+                </a:extLst>
+              </p:cNvPr>
+              <p:cNvSpPr txBox="1">
+                <a:spLocks noRot="1" noChangeAspect="1" noMove="1" noResize="1" noEditPoints="1" noAdjustHandles="1" noChangeArrowheads="1" noChangeShapeType="1" noTextEdit="1"/>
+              </p:cNvSpPr>
+              <p:nvPr/>
+            </p:nvSpPr>
+            <p:spPr>
+              <a:xfrm>
+                <a:off x="3591054" y="3758599"/>
+                <a:ext cx="165686" cy="169277"/>
+              </a:xfrm>
+              <a:prstGeom prst="rect">
+                <a:avLst/>
+              </a:prstGeom>
+              <a:blipFill>
+                <a:blip r:embed="rId7"/>
+                <a:stretch>
+                  <a:fillRect l="-11111" r="-7407" b="-22222"/>
+                </a:stretch>
+              </a:blipFill>
+            </p:spPr>
+            <p:txBody>
+              <a:bodyPr/>
+              <a:lstStyle/>
+              <a:p>
+                <a:r>
+                  <a:rPr lang="fr-FR">
+                    <a:noFill/>
+                  </a:rPr>
+                  <a:t> </a:t>
+                </a:r>
+              </a:p>
+            </p:txBody>
+          </p:sp>
+        </mc:Fallback>
+      </mc:AlternateContent>
+      <mc:AlternateContent xmlns:mc="http://schemas.openxmlformats.org/markup-compatibility/2006">
+        <mc:Choice xmlns:a14="http://schemas.microsoft.com/office/drawing/2010/main" Requires="a14">
+          <p:sp>
+            <p:nvSpPr>
+              <p:cNvPr id="43" name="ZoneTexte 42">
+                <a:extLst>
+                  <a:ext uri="{FF2B5EF4-FFF2-40B4-BE49-F238E27FC236}">
+                    <a16:creationId xmlns:a16="http://schemas.microsoft.com/office/drawing/2014/main" id="{BDE38F9A-A086-4FF8-9279-3E1321167B63}"/>
+                  </a:ext>
+                </a:extLst>
+              </p:cNvPr>
+              <p:cNvSpPr txBox="1"/>
+              <p:nvPr/>
+            </p:nvSpPr>
+            <p:spPr>
+              <a:xfrm>
+                <a:off x="3578886" y="3213000"/>
+                <a:ext cx="165045" cy="169277"/>
+              </a:xfrm>
+              <a:prstGeom prst="rect">
+                <a:avLst/>
+              </a:prstGeom>
+              <a:noFill/>
+            </p:spPr>
+            <p:txBody>
+              <a:bodyPr wrap="none" lIns="0" tIns="0" rIns="0" bIns="0" rtlCol="0">
+                <a:spAutoFit/>
+              </a:bodyPr>
+              <a:lstStyle/>
+              <a:p>
+                <a:pPr/>
+                <a14:m>
+                  <m:oMathPara xmlns:m="http://schemas.openxmlformats.org/officeDocument/2006/math">
+                    <m:oMathParaPr>
+                      <m:jc m:val="center"/>
+                    </m:oMathParaPr>
+                    <m:oMath xmlns:m="http://schemas.openxmlformats.org/officeDocument/2006/math">
+                      <m:sSub>
+                        <m:sSubPr>
+                          <m:ctrlPr>
+                            <a:rPr lang="fr-FR" sz="1100" b="0" i="1" smtClean="0">
+                              <a:latin typeface="Cambria Math" panose="02040503050406030204" pitchFamily="18" charset="0"/>
+                            </a:rPr>
+                          </m:ctrlPr>
+                        </m:sSubPr>
+                        <m:e>
+                          <m:r>
+                            <a:rPr lang="fr-FR" sz="1100" b="0" i="1" smtClean="0">
+                              <a:latin typeface="Cambria Math" panose="02040503050406030204" pitchFamily="18" charset="0"/>
+                            </a:rPr>
+                            <m:t>𝜀</m:t>
+                          </m:r>
+                        </m:e>
+                        <m:sub>
+                          <m:r>
+                            <a:rPr lang="fr-FR" sz="1100" b="0" i="1" smtClean="0">
+                              <a:latin typeface="Cambria Math" panose="02040503050406030204" pitchFamily="18" charset="0"/>
+                            </a:rPr>
+                            <m:t>𝑘</m:t>
+                          </m:r>
+                        </m:sub>
+                      </m:sSub>
+                    </m:oMath>
+                  </m:oMathPara>
+                </a14:m>
+                <a:endParaRPr lang="fr-FR" sz="1100" dirty="0"/>
+              </a:p>
+            </p:txBody>
+          </p:sp>
+        </mc:Choice>
+        <mc:Fallback>
+          <p:sp>
+            <p:nvSpPr>
+              <p:cNvPr id="43" name="ZoneTexte 42">
+                <a:extLst>
+                  <a:ext uri="{FF2B5EF4-FFF2-40B4-BE49-F238E27FC236}">
+                    <a16:creationId xmlns:a16="http://schemas.microsoft.com/office/drawing/2014/main" id="{BDE38F9A-A086-4FF8-9279-3E1321167B63}"/>
+                  </a:ext>
+                </a:extLst>
+              </p:cNvPr>
+              <p:cNvSpPr txBox="1">
+                <a:spLocks noRot="1" noChangeAspect="1" noMove="1" noResize="1" noEditPoints="1" noAdjustHandles="1" noChangeArrowheads="1" noChangeShapeType="1" noTextEdit="1"/>
+              </p:cNvSpPr>
+              <p:nvPr/>
+            </p:nvSpPr>
+            <p:spPr>
+              <a:xfrm>
+                <a:off x="3578886" y="3213000"/>
+                <a:ext cx="165045" cy="169277"/>
+              </a:xfrm>
+              <a:prstGeom prst="rect">
+                <a:avLst/>
+              </a:prstGeom>
+              <a:blipFill>
+                <a:blip r:embed="rId8"/>
+                <a:stretch>
+                  <a:fillRect l="-11111" r="-7407" b="-17857"/>
+                </a:stretch>
+              </a:blipFill>
+            </p:spPr>
+            <p:txBody>
+              <a:bodyPr/>
+              <a:lstStyle/>
+              <a:p>
+                <a:r>
+                  <a:rPr lang="fr-FR">
+                    <a:noFill/>
+                  </a:rPr>
+                  <a:t> </a:t>
+                </a:r>
+              </a:p>
+            </p:txBody>
+          </p:sp>
+        </mc:Fallback>
+      </mc:AlternateContent>
+      <mc:AlternateContent xmlns:mc="http://schemas.openxmlformats.org/markup-compatibility/2006">
+        <mc:Choice xmlns:a14="http://schemas.microsoft.com/office/drawing/2010/main" Requires="a14">
+          <p:sp>
+            <p:nvSpPr>
+              <p:cNvPr id="45" name="ZoneTexte 44">
+                <a:extLst>
+                  <a:ext uri="{FF2B5EF4-FFF2-40B4-BE49-F238E27FC236}">
+                    <a16:creationId xmlns:a16="http://schemas.microsoft.com/office/drawing/2014/main" id="{37FD6A18-093E-4A2E-81E7-E1DEF62D091B}"/>
+                  </a:ext>
+                </a:extLst>
+              </p:cNvPr>
+              <p:cNvSpPr txBox="1"/>
+              <p:nvPr/>
+            </p:nvSpPr>
+            <p:spPr>
+              <a:xfrm>
+                <a:off x="4908980" y="3231192"/>
+                <a:ext cx="183575" cy="169277"/>
+              </a:xfrm>
+              <a:prstGeom prst="rect">
+                <a:avLst/>
+              </a:prstGeom>
+              <a:noFill/>
+            </p:spPr>
+            <p:txBody>
+              <a:bodyPr wrap="none" lIns="0" tIns="0" rIns="0" bIns="0" rtlCol="0">
+                <a:spAutoFit/>
+              </a:bodyPr>
+              <a:lstStyle/>
+              <a:p>
+                <a:pPr/>
+                <a14:m>
+                  <m:oMathPara xmlns:m="http://schemas.openxmlformats.org/officeDocument/2006/math">
+                    <m:oMathParaPr>
+                      <m:jc m:val="center"/>
+                    </m:oMathParaPr>
+                    <m:oMath xmlns:m="http://schemas.openxmlformats.org/officeDocument/2006/math">
+                      <m:sSub>
+                        <m:sSubPr>
+                          <m:ctrlPr>
+                            <a:rPr lang="fr-FR" sz="1100" b="0" i="1" smtClean="0">
+                              <a:latin typeface="Cambria Math" panose="02040503050406030204" pitchFamily="18" charset="0"/>
+                            </a:rPr>
+                          </m:ctrlPr>
+                        </m:sSubPr>
+                        <m:e>
+                          <m:r>
+                            <a:rPr lang="fr-FR" sz="1100" b="0" i="1" smtClean="0">
+                              <a:latin typeface="Cambria Math" panose="02040503050406030204" pitchFamily="18" charset="0"/>
+                            </a:rPr>
+                            <m:t>𝑢</m:t>
+                          </m:r>
+                        </m:e>
+                        <m:sub>
+                          <m:r>
+                            <a:rPr lang="fr-FR" sz="1100" b="0" i="1" smtClean="0">
+                              <a:latin typeface="Cambria Math" panose="02040503050406030204" pitchFamily="18" charset="0"/>
+                            </a:rPr>
+                            <m:t>𝑘</m:t>
+                          </m:r>
+                        </m:sub>
+                      </m:sSub>
+                    </m:oMath>
+                  </m:oMathPara>
+                </a14:m>
+                <a:endParaRPr lang="fr-FR" sz="1100" dirty="0"/>
+              </a:p>
+            </p:txBody>
+          </p:sp>
+        </mc:Choice>
+        <mc:Fallback>
+          <p:sp>
+            <p:nvSpPr>
+              <p:cNvPr id="45" name="ZoneTexte 44">
+                <a:extLst>
+                  <a:ext uri="{FF2B5EF4-FFF2-40B4-BE49-F238E27FC236}">
+                    <a16:creationId xmlns:a16="http://schemas.microsoft.com/office/drawing/2014/main" id="{37FD6A18-093E-4A2E-81E7-E1DEF62D091B}"/>
+                  </a:ext>
+                </a:extLst>
+              </p:cNvPr>
+              <p:cNvSpPr txBox="1">
+                <a:spLocks noRot="1" noChangeAspect="1" noMove="1" noResize="1" noEditPoints="1" noAdjustHandles="1" noChangeArrowheads="1" noChangeShapeType="1" noTextEdit="1"/>
+              </p:cNvSpPr>
+              <p:nvPr/>
+            </p:nvSpPr>
+            <p:spPr>
+              <a:xfrm>
+                <a:off x="4908980" y="3231192"/>
+                <a:ext cx="183575" cy="169277"/>
+              </a:xfrm>
+              <a:prstGeom prst="rect">
+                <a:avLst/>
+              </a:prstGeom>
+              <a:blipFill>
+                <a:blip r:embed="rId9"/>
+                <a:stretch>
+                  <a:fillRect l="-10000" r="-6667" b="-17857"/>
+                </a:stretch>
+              </a:blipFill>
+            </p:spPr>
+            <p:txBody>
+              <a:bodyPr/>
+              <a:lstStyle/>
+              <a:p>
+                <a:r>
+                  <a:rPr lang="fr-FR">
+                    <a:noFill/>
+                  </a:rPr>
+                  <a:t> </a:t>
+                </a:r>
+              </a:p>
+            </p:txBody>
+          </p:sp>
+        </mc:Fallback>
+      </mc:AlternateContent>
+      <mc:AlternateContent xmlns:mc="http://schemas.openxmlformats.org/markup-compatibility/2006">
+        <mc:Choice xmlns:a14="http://schemas.microsoft.com/office/drawing/2010/main" Requires="a14">
+          <p:sp>
+            <p:nvSpPr>
+              <p:cNvPr id="46" name="ZoneTexte 45">
+                <a:extLst>
+                  <a:ext uri="{FF2B5EF4-FFF2-40B4-BE49-F238E27FC236}">
+                    <a16:creationId xmlns:a16="http://schemas.microsoft.com/office/drawing/2014/main" id="{D680F58A-407B-4C27-B71D-8097BD80E374}"/>
+                  </a:ext>
+                </a:extLst>
+              </p:cNvPr>
+              <p:cNvSpPr txBox="1"/>
+              <p:nvPr/>
+            </p:nvSpPr>
+            <p:spPr>
+              <a:xfrm>
+                <a:off x="5800968" y="3247102"/>
+                <a:ext cx="293991" cy="169277"/>
+              </a:xfrm>
+              <a:prstGeom prst="rect">
+                <a:avLst/>
+              </a:prstGeom>
+              <a:noFill/>
+            </p:spPr>
+            <p:txBody>
+              <a:bodyPr wrap="none" lIns="0" tIns="0" rIns="0" bIns="0" rtlCol="0">
+                <a:spAutoFit/>
+              </a:bodyPr>
+              <a:lstStyle/>
+              <a:p>
+                <a:pPr/>
+                <a14:m>
+                  <m:oMathPara xmlns:m="http://schemas.openxmlformats.org/officeDocument/2006/math">
+                    <m:oMathParaPr>
+                      <m:jc m:val="center"/>
+                    </m:oMathParaPr>
+                    <m:oMath xmlns:m="http://schemas.openxmlformats.org/officeDocument/2006/math">
+                      <m:r>
+                        <a:rPr lang="fr-FR" sz="1100" b="0" i="1" smtClean="0">
+                          <a:latin typeface="Cambria Math" panose="02040503050406030204" pitchFamily="18" charset="0"/>
+                        </a:rPr>
+                        <m:t>𝑢</m:t>
+                      </m:r>
+                      <m:r>
+                        <a:rPr lang="fr-FR" sz="1100" b="0" i="1" smtClean="0">
+                          <a:latin typeface="Cambria Math" panose="02040503050406030204" pitchFamily="18" charset="0"/>
+                        </a:rPr>
+                        <m:t>(</m:t>
+                      </m:r>
+                      <m:r>
+                        <a:rPr lang="fr-FR" sz="1100" b="0" i="1" smtClean="0">
+                          <a:latin typeface="Cambria Math" panose="02040503050406030204" pitchFamily="18" charset="0"/>
+                        </a:rPr>
+                        <m:t>𝑡</m:t>
+                      </m:r>
+                      <m:r>
+                        <a:rPr lang="fr-FR" sz="1100" b="0" i="1" smtClean="0">
+                          <a:latin typeface="Cambria Math" panose="02040503050406030204" pitchFamily="18" charset="0"/>
+                        </a:rPr>
+                        <m:t>)</m:t>
+                      </m:r>
+                    </m:oMath>
+                  </m:oMathPara>
+                </a14:m>
+                <a:endParaRPr lang="fr-FR" sz="1100" dirty="0"/>
+              </a:p>
+            </p:txBody>
+          </p:sp>
+        </mc:Choice>
+        <mc:Fallback>
+          <p:sp>
+            <p:nvSpPr>
+              <p:cNvPr id="46" name="ZoneTexte 45">
+                <a:extLst>
+                  <a:ext uri="{FF2B5EF4-FFF2-40B4-BE49-F238E27FC236}">
+                    <a16:creationId xmlns:a16="http://schemas.microsoft.com/office/drawing/2014/main" id="{D680F58A-407B-4C27-B71D-8097BD80E374}"/>
+                  </a:ext>
+                </a:extLst>
+              </p:cNvPr>
+              <p:cNvSpPr txBox="1">
+                <a:spLocks noRot="1" noChangeAspect="1" noMove="1" noResize="1" noEditPoints="1" noAdjustHandles="1" noChangeArrowheads="1" noChangeShapeType="1" noTextEdit="1"/>
+              </p:cNvSpPr>
+              <p:nvPr/>
+            </p:nvSpPr>
+            <p:spPr>
+              <a:xfrm>
+                <a:off x="5800968" y="3247102"/>
+                <a:ext cx="293991" cy="169277"/>
+              </a:xfrm>
+              <a:prstGeom prst="rect">
+                <a:avLst/>
+              </a:prstGeom>
+              <a:blipFill>
+                <a:blip r:embed="rId10"/>
+                <a:stretch>
+                  <a:fillRect l="-6250" r="-18750" b="-40741"/>
+                </a:stretch>
+              </a:blipFill>
+            </p:spPr>
+            <p:txBody>
+              <a:bodyPr/>
+              <a:lstStyle/>
+              <a:p>
+                <a:r>
+                  <a:rPr lang="fr-FR">
+                    <a:noFill/>
+                  </a:rPr>
+                  <a:t> </a:t>
+                </a:r>
+              </a:p>
+            </p:txBody>
+          </p:sp>
+        </mc:Fallback>
+      </mc:AlternateContent>
+    </p:spTree>
+    <p:extLst>
+      <p:ext uri="{BB962C8B-B14F-4D97-AF65-F5344CB8AC3E}">
+        <p14:creationId xmlns:p14="http://schemas.microsoft.com/office/powerpoint/2010/main" val="1004994365"/>
       </p:ext>
     </p:extLst>
   </p:cSld>
